--- a/PPT/PART 1.pptx
+++ b/PPT/PART 1.pptx
@@ -255,7 +255,7 @@
           <a:p>
             <a:fld id="{48A87A34-81AB-432B-8DAE-1953F412C126}" type="datetimeFigureOut">
               <a:rPr lang="en-US" dirty="0"/>
-              <a:t>3/30/2021</a:t>
+              <a:t>4/6/2021</a:t>
             </a:fld>
             <a:endParaRPr lang="en-US" dirty="0"/>
           </a:p>
@@ -461,7 +461,7 @@
           <a:p>
             <a:fld id="{48A87A34-81AB-432B-8DAE-1953F412C126}" type="datetimeFigureOut">
               <a:rPr lang="en-US" dirty="0"/>
-              <a:t>3/30/2021</a:t>
+              <a:t>4/6/2021</a:t>
             </a:fld>
             <a:endParaRPr lang="en-US" dirty="0"/>
           </a:p>
@@ -671,7 +671,7 @@
           <a:p>
             <a:fld id="{48A87A34-81AB-432B-8DAE-1953F412C126}" type="datetimeFigureOut">
               <a:rPr lang="en-US" dirty="0"/>
-              <a:t>3/30/2021</a:t>
+              <a:t>4/6/2021</a:t>
             </a:fld>
             <a:endParaRPr lang="en-US" dirty="0"/>
           </a:p>
@@ -867,7 +867,7 @@
           <a:p>
             <a:fld id="{48A87A34-81AB-432B-8DAE-1953F412C126}" type="datetimeFigureOut">
               <a:rPr lang="en-US" dirty="0"/>
-              <a:t>3/30/2021</a:t>
+              <a:t>4/6/2021</a:t>
             </a:fld>
             <a:endParaRPr lang="en-US" dirty="0"/>
           </a:p>
@@ -1141,7 +1141,7 @@
           <a:p>
             <a:fld id="{48A87A34-81AB-432B-8DAE-1953F412C126}" type="datetimeFigureOut">
               <a:rPr lang="en-US" dirty="0"/>
-              <a:t>3/30/2021</a:t>
+              <a:t>4/6/2021</a:t>
             </a:fld>
             <a:endParaRPr lang="en-US" dirty="0"/>
           </a:p>
@@ -1404,7 +1404,7 @@
           <a:p>
             <a:fld id="{48A87A34-81AB-432B-8DAE-1953F412C126}" type="datetimeFigureOut">
               <a:rPr lang="en-US" dirty="0"/>
-              <a:t>3/30/2021</a:t>
+              <a:t>4/6/2021</a:t>
             </a:fld>
             <a:endParaRPr lang="en-US" dirty="0"/>
           </a:p>
@@ -1815,7 +1815,7 @@
           <a:p>
             <a:fld id="{48A87A34-81AB-432B-8DAE-1953F412C126}" type="datetimeFigureOut">
               <a:rPr lang="en-US" dirty="0"/>
-              <a:t>3/30/2021</a:t>
+              <a:t>4/6/2021</a:t>
             </a:fld>
             <a:endParaRPr lang="en-US" dirty="0"/>
           </a:p>
@@ -1959,7 +1959,7 @@
           <a:p>
             <a:fld id="{48A87A34-81AB-432B-8DAE-1953F412C126}" type="datetimeFigureOut">
               <a:rPr lang="en-US" dirty="0"/>
-              <a:t>3/30/2021</a:t>
+              <a:t>4/6/2021</a:t>
             </a:fld>
             <a:endParaRPr lang="en-US" dirty="0"/>
           </a:p>
@@ -2080,7 +2080,7 @@
           <a:p>
             <a:fld id="{48A87A34-81AB-432B-8DAE-1953F412C126}" type="datetimeFigureOut">
               <a:rPr lang="en-US" dirty="0"/>
-              <a:t>3/30/2021</a:t>
+              <a:t>4/6/2021</a:t>
             </a:fld>
             <a:endParaRPr lang="en-US" dirty="0"/>
           </a:p>
@@ -2326,7 +2326,7 @@
           <a:p>
             <a:fld id="{48A87A34-81AB-432B-8DAE-1953F412C126}" type="datetimeFigureOut">
               <a:rPr lang="en-US" dirty="0"/>
-              <a:t>3/30/2021</a:t>
+              <a:t>4/6/2021</a:t>
             </a:fld>
             <a:endParaRPr lang="en-US" dirty="0"/>
           </a:p>
@@ -2767,7 +2767,7 @@
             <a:fld id="{48A87A34-81AB-432B-8DAE-1953F412C126}" type="datetimeFigureOut">
               <a:rPr lang="en-US" dirty="0"/>
               <a:pPr/>
-              <a:t>3/30/2021</a:t>
+              <a:t>4/6/2021</a:t>
             </a:fld>
             <a:endParaRPr lang="en-US" dirty="0"/>
           </a:p>
@@ -3090,7 +3090,7 @@
             <a:fld id="{48A87A34-81AB-432B-8DAE-1953F412C126}" type="datetimeFigureOut">
               <a:rPr lang="en-US" dirty="0"/>
               <a:pPr/>
-              <a:t>3/30/2021</a:t>
+              <a:t>4/6/2021</a:t>
             </a:fld>
             <a:endParaRPr lang="en-US" dirty="0"/>
           </a:p>
@@ -3594,9 +3594,10 @@
           <a:lstStyle/>
           <a:p>
             <a:r>
-              <a:rPr lang="en-US" dirty="0"/>
-              <a:t>PART 12</a:t>
-            </a:r>
+              <a:rPr lang="en-US"/>
+              <a:t>PART 1</a:t>
+            </a:r>
+            <a:endParaRPr lang="en-US" dirty="0"/>
           </a:p>
         </p:txBody>
       </p:sp>
